--- a/poo/poo_sesion_5/POO_sesion_5.pptx
+++ b/poo/poo_sesion_5/POO_sesion_5.pptx
@@ -12614,7 +12614,7 @@
         </p:style>
         <p:txBody>
           <a:bodyPr>
-            <a:normAutofit/>
+            <a:normAutofit lnSpcReduction="10000"/>
           </a:bodyPr>
           <a:lstStyle/>
           <a:p>
@@ -12754,6 +12754,49 @@
             <a:r>
               <a:rPr lang="es-ES" dirty="0"/>
               <a:t>()</a:t>
+            </a:r>
+            <a:br>
+              <a:rPr lang="es-ES" dirty="0"/>
+            </a:br>
+            <a:r>
+              <a:rPr lang="es-ES" dirty="0"/>
+              <a:t>El Operador de Resolución de Ámbito (también denominado </a:t>
+            </a:r>
+            <a:r>
+              <a:rPr lang="es-ES" b="1" dirty="0" err="1"/>
+              <a:t>Paamayim</a:t>
+            </a:r>
+            <a:r>
+              <a:rPr lang="es-ES" b="1" dirty="0"/>
+              <a:t> </a:t>
+            </a:r>
+            <a:r>
+              <a:rPr lang="es-ES" b="1" dirty="0" err="1"/>
+              <a:t>Nekudotayim</a:t>
+            </a:r>
+            <a:r>
+              <a:rPr lang="es-ES" dirty="0"/>
+              <a:t>) o en términos simples, el doble dos-puntos, es un token que permite acceder a elementos </a:t>
+            </a:r>
+            <a:r>
+              <a:rPr lang="es-ES" dirty="0">
+                <a:hlinkClick r:id="rId3"/>
+              </a:rPr>
+              <a:t>estáticos</a:t>
+            </a:r>
+            <a:r>
+              <a:rPr lang="es-ES" dirty="0"/>
+              <a:t>, </a:t>
+            </a:r>
+            <a:r>
+              <a:rPr lang="es-ES" dirty="0">
+                <a:hlinkClick r:id="rId4"/>
+              </a:rPr>
+              <a:t>constantes</a:t>
+            </a:r>
+            <a:r>
+              <a:rPr lang="es-ES" dirty="0"/>
+              <a:t>, y sobrescribir propiedades o métodos de una clase.</a:t>
             </a:r>
           </a:p>
         </p:txBody>
